--- a/ARMv8-A基础介绍.pptx
+++ b/ARMv8-A基础介绍.pptx
@@ -27,8 +27,8 @@
     <p:sldId id="422" r:id="rId22"/>
     <p:sldId id="423" r:id="rId23"/>
     <p:sldId id="425" r:id="rId24"/>
-    <p:sldId id="426" r:id="rId25"/>
-    <p:sldId id="427" r:id="rId26"/>
+    <p:sldId id="487" r:id="rId25"/>
+    <p:sldId id="426" r:id="rId26"/>
     <p:sldId id="428" r:id="rId27"/>
     <p:sldId id="429" r:id="rId28"/>
     <p:sldId id="430" r:id="rId29"/>
@@ -3577,6 +3577,80 @@
             </a:r>
             <a:endParaRPr lang="zh-CN" altLang="en-US"/>
           </a:p>
+          <a:p>
+            <a:r>
+              <a:rPr lang="zh-CN" altLang="en-US"/>
+              <a:t>同步异常：地址翻译错误或权限错误、系统</a:t>
+            </a:r>
+            <a:r>
+              <a:rPr lang="zh-CN" altLang="en-US"/>
+              <a:t>调用</a:t>
+            </a:r>
+            <a:endParaRPr lang="zh-CN" altLang="en-US"/>
+          </a:p>
+          <a:p>
+            <a:r>
+              <a:rPr lang="zh-CN" altLang="en-US"/>
+              <a:t>执行指令错误</a:t>
+            </a:r>
+            <a:r>
+              <a:rPr lang="zh-CN" altLang="en-US"/>
+              <a:t>等；</a:t>
+            </a:r>
+            <a:endParaRPr lang="zh-CN" altLang="en-US"/>
+          </a:p>
+          <a:p>
+            <a:r>
+              <a:rPr lang="zh-CN" altLang="en-US"/>
+              <a:t>异步异常：</a:t>
+            </a:r>
+            <a:r>
+              <a:rPr lang="en-US" altLang="zh-CN"/>
+              <a:t>SError</a:t>
+            </a:r>
+            <a:r>
+              <a:rPr lang="zh-CN" altLang="en-US"/>
+              <a:t>、</a:t>
+            </a:r>
+            <a:r>
+              <a:rPr lang="en-US" altLang="zh-CN"/>
+              <a:t>FIQ</a:t>
+            </a:r>
+            <a:r>
+              <a:rPr lang="zh-CN" altLang="en-US"/>
+              <a:t>、</a:t>
+            </a:r>
+            <a:r>
+              <a:rPr lang="en-US" altLang="zh-CN"/>
+              <a:t>IRQ</a:t>
+            </a:r>
+            <a:r>
+              <a:rPr lang="zh-CN" altLang="en-US"/>
+              <a:t>等</a:t>
+            </a:r>
+            <a:endParaRPr lang="zh-CN" altLang="en-US"/>
+          </a:p>
+          <a:p>
+            <a:endParaRPr lang="zh-CN" altLang="en-US"/>
+          </a:p>
+          <a:p>
+            <a:r>
+              <a:rPr lang="zh-CN" altLang="en-US"/>
+              <a:t>分类依据：异常出发原因与处理器正在</a:t>
+            </a:r>
+            <a:endParaRPr lang="zh-CN" altLang="en-US"/>
+          </a:p>
+          <a:p>
+            <a:r>
+              <a:rPr lang="zh-CN" altLang="en-US"/>
+              <a:t>执行的指令是否</a:t>
+            </a:r>
+            <a:r>
+              <a:rPr lang="zh-CN" altLang="en-US"/>
+              <a:t>有关</a:t>
+            </a:r>
+            <a:endParaRPr lang="zh-CN" altLang="en-US"/>
+          </a:p>
         </p:txBody>
       </p:sp>
       <p:pic>
@@ -3595,7 +3669,7 @@
         </p:blipFill>
         <p:spPr>
           <a:xfrm>
-            <a:off x="5887720" y="3030220"/>
+            <a:off x="6003925" y="2880360"/>
             <a:ext cx="5920105" cy="3219450"/>
           </a:xfrm>
           <a:prstGeom prst="rect">
@@ -3713,8 +3787,8 @@
         </p:blipFill>
         <p:spPr>
           <a:xfrm>
-            <a:off x="892810" y="2406650"/>
-            <a:ext cx="2831465" cy="3774440"/>
+            <a:off x="702310" y="2052320"/>
+            <a:ext cx="3185160" cy="4245610"/>
           </a:xfrm>
           <a:prstGeom prst="rect">
             <a:avLst/>
@@ -3730,7 +3804,7 @@
         <p:spPr>
           <a:xfrm>
             <a:off x="5410200" y="2277110"/>
-            <a:ext cx="5001895" cy="645160"/>
+            <a:ext cx="5001895" cy="4246245"/>
           </a:xfrm>
           <a:prstGeom prst="rect">
             <a:avLst/>
@@ -3749,6 +3823,215 @@
             <a:r>
               <a:rPr lang="zh-CN" altLang="en-US"/>
               <a:t>描述：</a:t>
+            </a:r>
+            <a:endParaRPr lang="zh-CN" altLang="en-US"/>
+          </a:p>
+          <a:p>
+            <a:r>
+              <a:rPr lang="en-US" altLang="zh-CN"/>
+              <a:t>1.</a:t>
+            </a:r>
+            <a:r>
+              <a:rPr lang="zh-CN" altLang="en-US"/>
+              <a:t>保存</a:t>
+            </a:r>
+            <a:r>
+              <a:rPr lang="en-US" altLang="zh-CN"/>
+              <a:t>PSTATE</a:t>
+            </a:r>
+            <a:r>
+              <a:rPr lang="zh-CN" altLang="en-US"/>
+              <a:t>到</a:t>
+            </a:r>
+            <a:r>
+              <a:rPr lang="en-US" altLang="zh-CN"/>
+              <a:t>SPSR_ELn</a:t>
+            </a:r>
+            <a:r>
+              <a:rPr lang="zh-CN" altLang="en-US"/>
+              <a:t>中；</a:t>
+            </a:r>
+            <a:endParaRPr lang="zh-CN" altLang="en-US"/>
+          </a:p>
+          <a:p>
+            <a:r>
+              <a:rPr lang="en-US" altLang="zh-CN"/>
+              <a:t>2.</a:t>
+            </a:r>
+            <a:r>
+              <a:rPr lang="zh-CN" altLang="en-US"/>
+              <a:t>保存返回地址到</a:t>
+            </a:r>
+            <a:r>
+              <a:rPr lang="en-US" altLang="zh-CN"/>
+              <a:t>ELR_ELn</a:t>
+            </a:r>
+            <a:r>
+              <a:rPr lang="zh-CN" altLang="en-US"/>
+              <a:t>中；</a:t>
+            </a:r>
+            <a:endParaRPr lang="zh-CN" altLang="en-US"/>
+          </a:p>
+          <a:p>
+            <a:r>
+              <a:rPr lang="en-US" altLang="zh-CN"/>
+              <a:t>3.DAIF</a:t>
+            </a:r>
+            <a:r>
+              <a:rPr lang="zh-CN" altLang="en-US"/>
+              <a:t>置为</a:t>
+            </a:r>
+            <a:r>
+              <a:rPr lang="en-US" altLang="zh-CN"/>
+              <a:t>1</a:t>
+            </a:r>
+            <a:r>
+              <a:rPr lang="zh-CN" altLang="en-US"/>
+              <a:t>，关闭异步</a:t>
+            </a:r>
+            <a:r>
+              <a:rPr lang="zh-CN" altLang="en-US"/>
+              <a:t>异常；</a:t>
+            </a:r>
+            <a:endParaRPr lang="zh-CN" altLang="en-US"/>
+          </a:p>
+          <a:p>
+            <a:r>
+              <a:rPr lang="en-US" altLang="zh-CN"/>
+              <a:t>4.</a:t>
+            </a:r>
+            <a:r>
+              <a:rPr lang="zh-CN" altLang="en-US"/>
+              <a:t>若异常为同步异常，将异常原因写入</a:t>
+            </a:r>
+            <a:r>
+              <a:rPr lang="en-US" altLang="zh-CN"/>
+              <a:t>ESR_ELn</a:t>
+            </a:r>
+            <a:r>
+              <a:rPr lang="zh-CN" altLang="en-US"/>
+              <a:t>中；</a:t>
+            </a:r>
+            <a:endParaRPr lang="zh-CN" altLang="en-US"/>
+          </a:p>
+          <a:p>
+            <a:r>
+              <a:rPr lang="en-US" altLang="zh-CN"/>
+              <a:t>5.</a:t>
+            </a:r>
+            <a:r>
+              <a:rPr lang="zh-CN" altLang="en-US"/>
+              <a:t>切换</a:t>
+            </a:r>
+            <a:r>
+              <a:rPr lang="en-US" altLang="zh-CN"/>
+              <a:t>SP</a:t>
+            </a:r>
+            <a:r>
+              <a:rPr lang="zh-CN" altLang="en-US"/>
+              <a:t>为目标异常等级的</a:t>
+            </a:r>
+            <a:r>
+              <a:rPr lang="en-US" altLang="zh-CN"/>
+              <a:t>SP_ELt</a:t>
+            </a:r>
+            <a:r>
+              <a:rPr lang="zh-CN" altLang="en-US"/>
+              <a:t>或</a:t>
+            </a:r>
+            <a:r>
+              <a:rPr lang="en-US" altLang="zh-CN"/>
+              <a:t>SP_ELh</a:t>
+            </a:r>
+            <a:r>
+              <a:rPr lang="zh-CN" altLang="en-US"/>
+              <a:t>；</a:t>
+            </a:r>
+            <a:endParaRPr lang="zh-CN" altLang="en-US"/>
+          </a:p>
+          <a:p>
+            <a:r>
+              <a:rPr lang="en-US" altLang="zh-CN"/>
+              <a:t>6.</a:t>
+            </a:r>
+            <a:r>
+              <a:rPr lang="zh-CN" altLang="en-US"/>
+              <a:t>切换异常等级为目标异常等级，跳转到异常向量表，处理</a:t>
+            </a:r>
+            <a:r>
+              <a:rPr lang="zh-CN" altLang="en-US"/>
+              <a:t>异常；</a:t>
+            </a:r>
+            <a:endParaRPr lang="zh-CN" altLang="en-US"/>
+          </a:p>
+          <a:p>
+            <a:endParaRPr lang="zh-CN" altLang="en-US"/>
+          </a:p>
+          <a:p>
+            <a:endParaRPr lang="zh-CN" altLang="en-US"/>
+          </a:p>
+          <a:p>
+            <a:r>
+              <a:rPr lang="zh-CN" altLang="en-US"/>
+              <a:t>异常</a:t>
+            </a:r>
+            <a:r>
+              <a:rPr lang="zh-CN" altLang="en-US"/>
+              <a:t>返回：</a:t>
+            </a:r>
+            <a:endParaRPr lang="zh-CN" altLang="en-US"/>
+          </a:p>
+          <a:p>
+            <a:r>
+              <a:rPr lang="en-US" altLang="zh-CN"/>
+              <a:t>1.</a:t>
+            </a:r>
+            <a:r>
+              <a:rPr lang="zh-CN" altLang="en-US"/>
+              <a:t>从</a:t>
+            </a:r>
+            <a:r>
+              <a:rPr lang="en-US" altLang="zh-CN"/>
+              <a:t>ELR_ELn</a:t>
+            </a:r>
+            <a:r>
+              <a:rPr lang="zh-CN" altLang="en-US"/>
+              <a:t>恢复</a:t>
+            </a:r>
+            <a:r>
+              <a:rPr lang="en-US" altLang="zh-CN"/>
+              <a:t>PC</a:t>
+            </a:r>
+            <a:r>
+              <a:rPr lang="zh-CN" altLang="en-US"/>
+              <a:t>指针；</a:t>
+            </a:r>
+            <a:endParaRPr lang="zh-CN" altLang="en-US"/>
+          </a:p>
+          <a:p>
+            <a:r>
+              <a:rPr lang="en-US" altLang="zh-CN"/>
+              <a:t>2.</a:t>
+            </a:r>
+            <a:r>
+              <a:rPr lang="zh-CN" altLang="en-US"/>
+              <a:t>从</a:t>
+            </a:r>
+            <a:r>
+              <a:rPr lang="en-US" altLang="zh-CN"/>
+              <a:t>SPSR_ELn</a:t>
+            </a:r>
+            <a:r>
+              <a:rPr lang="zh-CN" altLang="en-US"/>
+              <a:t>回复</a:t>
+            </a:r>
+            <a:r>
+              <a:rPr lang="en-US" altLang="zh-CN"/>
+              <a:t>PSTATE</a:t>
+            </a:r>
+            <a:r>
+              <a:rPr lang="zh-CN" altLang="en-US"/>
+              <a:t>；</a:t>
             </a:r>
             <a:endParaRPr lang="zh-CN" altLang="en-US"/>
           </a:p>
@@ -4167,8 +4450,8 @@
           </p:nvPr>
         </p:nvGraphicFramePr>
         <p:xfrm>
-          <a:off x="1330960" y="4213860"/>
-          <a:ext cx="9084945" cy="1898015"/>
+          <a:off x="792480" y="3920490"/>
+          <a:ext cx="9949815" cy="2538095"/>
         </p:xfrm>
         <a:graphic>
           <a:graphicData uri="http://schemas.openxmlformats.org/drawingml/2006/table">
@@ -4177,9 +4460,9 @@
                 <a:tableStyleId>{5C22544A-7EE6-4342-B048-85BDC9FD1C3A}</a:tableStyleId>
               </a:tblPr>
               <a:tblGrid>
-                <a:gridCol w="4337685"/>
-                <a:gridCol w="1350645"/>
-                <a:gridCol w="3396615"/>
+                <a:gridCol w="4751070"/>
+                <a:gridCol w="1478915"/>
+                <a:gridCol w="3719830"/>
               </a:tblGrid>
               <a:tr h="374015">
                 <a:tc>
@@ -4443,6 +4726,60 @@
                       </a:pPr>
                       <a:r>
                         <a:rPr lang="en-US" altLang="zh-CN"/>
+                        <a:t>——</a:t>
+                      </a:r>
+                      <a:endParaRPr lang="en-US" altLang="zh-CN"/>
+                    </a:p>
+                  </a:txBody>
+                  <a:tcPr/>
+                </a:tc>
+                <a:tc>
+                  <a:txBody>
+                    <a:bodyPr/>
+                    <a:p>
+                      <a:pPr>
+                        <a:buNone/>
+                      </a:pPr>
+                      <a:r>
+                        <a:rPr lang="en-US" altLang="zh-CN"/>
+                        <a:t>1020-1023</a:t>
+                      </a:r>
+                      <a:endParaRPr lang="en-US" altLang="zh-CN"/>
+                    </a:p>
+                  </a:txBody>
+                  <a:tcPr/>
+                </a:tc>
+                <a:tc>
+                  <a:txBody>
+                    <a:bodyPr/>
+                    <a:p>
+                      <a:pPr>
+                        <a:buNone/>
+                      </a:pPr>
+                      <a:r>
+                        <a:rPr lang="zh-CN" altLang="en-US"/>
+                        <a:t>特殊中断</a:t>
+                      </a:r>
+                      <a:r>
+                        <a:rPr lang="zh-CN" altLang="en-US"/>
+                        <a:t>号</a:t>
+                      </a:r>
+                      <a:endParaRPr lang="zh-CN" altLang="en-US"/>
+                    </a:p>
+                  </a:txBody>
+                  <a:tcPr/>
+                </a:tc>
+              </a:tr>
+              <a:tr h="381000">
+                <a:tc>
+                  <a:txBody>
+                    <a:bodyPr/>
+                    <a:p>
+                      <a:pPr>
+                        <a:buNone/>
+                      </a:pPr>
+                      <a:r>
+                        <a:rPr lang="en-US" altLang="zh-CN"/>
                         <a:t>LPI(Locality-specific Peripheral Interrupt)</a:t>
                       </a:r>
                       <a:endParaRPr lang="en-US" altLang="zh-CN"/>
@@ -4477,6 +4814,14 @@
                       <a:pPr>
                         <a:buNone/>
                       </a:pPr>
+                      <a:r>
+                        <a:rPr lang="zh-CN" altLang="en-US"/>
+                        <a:t>基于消息的中断，通过写内存</a:t>
+                      </a:r>
+                      <a:r>
+                        <a:rPr lang="zh-CN" altLang="en-US"/>
+                        <a:t>产生</a:t>
+                      </a:r>
                       <a:endParaRPr lang="zh-CN" altLang="en-US"/>
                     </a:p>
                   </a:txBody>
@@ -4633,8 +4978,8 @@
         </p:blipFill>
         <p:spPr>
           <a:xfrm>
-            <a:off x="1057910" y="2195830"/>
-            <a:ext cx="10076180" cy="3890645"/>
+            <a:off x="516890" y="2168525"/>
+            <a:ext cx="11151235" cy="4305935"/>
           </a:xfrm>
           <a:prstGeom prst="rect">
             <a:avLst/>
@@ -4755,7 +5100,7 @@
         </p:blipFill>
         <p:spPr>
           <a:xfrm>
-            <a:off x="748030" y="2605405"/>
+            <a:off x="6595110" y="2346325"/>
             <a:ext cx="5529580" cy="3514725"/>
           </a:xfrm>
           <a:prstGeom prst="rect">
@@ -4763,116 +5108,57 @@
           </a:prstGeom>
         </p:spPr>
       </p:pic>
-      <p:sp>
-        <p:nvSpPr>
-          <p:cNvPr id="6" name="文本框 5"/>
-          <p:cNvSpPr txBox="1"/>
+      <p:pic>
+        <p:nvPicPr>
+          <p:cNvPr id="5" name="图片 4"/>
+          <p:cNvPicPr>
+            <a:picLocks noChangeAspect="1"/>
+          </p:cNvPicPr>
           <p:nvPr/>
-        </p:nvSpPr>
+        </p:nvPicPr>
+        <p:blipFill>
+          <a:blip r:embed="rId4"/>
+          <a:stretch>
+            <a:fillRect/>
+          </a:stretch>
+        </p:blipFill>
         <p:spPr>
           <a:xfrm>
-            <a:off x="7025005" y="3094990"/>
-            <a:ext cx="4975225" cy="2030095"/>
+            <a:off x="590550" y="1993265"/>
+            <a:ext cx="5501005" cy="2110105"/>
           </a:xfrm>
           <a:prstGeom prst="rect">
             <a:avLst/>
           </a:prstGeom>
-          <a:noFill/>
         </p:spPr>
-        <p:txBody>
-          <a:bodyPr wrap="square" rtlCol="0">
-            <a:spAutoFit/>
-          </a:bodyPr>
-          <a:p>
-            <a:r>
-              <a:rPr lang="en-US" altLang="zh-CN"/>
-              <a:t>inactive</a:t>
-            </a:r>
-            <a:r>
-              <a:rPr lang="zh-CN" altLang="en-US"/>
-              <a:t>：中断未</a:t>
-            </a:r>
-            <a:r>
-              <a:rPr lang="zh-CN" altLang="en-US"/>
-              <a:t>产生</a:t>
-            </a:r>
-            <a:endParaRPr lang="zh-CN" altLang="en-US"/>
-          </a:p>
-          <a:p>
-            <a:endParaRPr lang="zh-CN" altLang="en-US"/>
-          </a:p>
-          <a:p>
-            <a:r>
-              <a:rPr lang="en-US" altLang="zh-CN"/>
-              <a:t>pending</a:t>
-            </a:r>
-            <a:r>
-              <a:rPr lang="zh-CN" altLang="en-US"/>
-              <a:t>：</a:t>
-            </a:r>
-            <a:r>
-              <a:rPr lang="en-US" altLang="zh-CN"/>
-              <a:t>GIC</a:t>
-            </a:r>
-            <a:r>
-              <a:rPr lang="zh-CN" altLang="en-US"/>
-              <a:t>检测到中断</a:t>
-            </a:r>
-            <a:r>
-              <a:rPr lang="zh-CN" altLang="en-US"/>
-              <a:t>发生</a:t>
-            </a:r>
-            <a:endParaRPr lang="zh-CN" altLang="en-US"/>
-          </a:p>
-          <a:p>
-            <a:endParaRPr lang="zh-CN" altLang="en-US"/>
-          </a:p>
-          <a:p>
-            <a:r>
-              <a:rPr lang="en-US" altLang="zh-CN"/>
-              <a:t>active and pending</a:t>
-            </a:r>
-            <a:r>
-              <a:rPr lang="zh-CN" altLang="en-US"/>
-              <a:t>：中断重新</a:t>
-            </a:r>
-            <a:r>
-              <a:rPr lang="zh-CN" altLang="en-US"/>
-              <a:t>产生</a:t>
-            </a:r>
-            <a:endParaRPr lang="zh-CN" altLang="en-US"/>
-          </a:p>
-          <a:p>
-            <a:endParaRPr lang="zh-CN" altLang="en-US"/>
-          </a:p>
-          <a:p>
-            <a:r>
-              <a:rPr lang="en-US" altLang="zh-CN"/>
-              <a:t>active</a:t>
-            </a:r>
-            <a:r>
-              <a:rPr lang="zh-CN" altLang="en-US"/>
-              <a:t>：</a:t>
-            </a:r>
-            <a:r>
-              <a:rPr lang="en-US" altLang="zh-CN"/>
-              <a:t>PE</a:t>
-            </a:r>
-            <a:r>
-              <a:rPr lang="zh-CN" altLang="en-US"/>
-              <a:t>读取并响应</a:t>
-            </a:r>
-            <a:r>
-              <a:rPr lang="zh-CN" altLang="en-US"/>
-              <a:t>中断</a:t>
-            </a:r>
-            <a:endParaRPr lang="zh-CN" altLang="en-US"/>
-          </a:p>
-        </p:txBody>
-      </p:sp>
+      </p:pic>
+      <p:pic>
+        <p:nvPicPr>
+          <p:cNvPr id="7" name="图片 6"/>
+          <p:cNvPicPr>
+            <a:picLocks noChangeAspect="1"/>
+          </p:cNvPicPr>
+          <p:nvPr/>
+        </p:nvPicPr>
+        <p:blipFill>
+          <a:blip r:embed="rId5"/>
+          <a:stretch>
+            <a:fillRect/>
+          </a:stretch>
+        </p:blipFill>
+        <p:spPr>
+          <a:xfrm>
+            <a:off x="590550" y="4368800"/>
+            <a:ext cx="5791200" cy="1924050"/>
+          </a:xfrm>
+          <a:prstGeom prst="rect">
+            <a:avLst/>
+          </a:prstGeom>
+        </p:spPr>
+      </p:pic>
     </p:spTree>
     <p:custDataLst>
-      <p:tags r:id="rId4"/>
+      <p:tags r:id="rId6"/>
     </p:custDataLst>
   </p:cSld>
   <p:clrMapOvr>
@@ -5725,6 +6011,10 @@
         <p:txBody>
           <a:bodyPr/>
           <a:p>
+            <a:r>
+              <a:rPr lang="zh-CN" altLang="en-US"/>
+              <a:t>单击输入您的封面副标题</a:t>
+            </a:r>
             <a:endParaRPr lang="zh-CN" altLang="en-US"/>
           </a:p>
         </p:txBody>
@@ -5881,7 +6171,81 @@
           <a:p>
             <a:r>
               <a:rPr lang="zh-CN" altLang="en-US"/>
-              <a:t>单击输入您的封面副标题</a:t>
+              <a:t>页表描述符分为</a:t>
+            </a:r>
+            <a:r>
+              <a:rPr lang="zh-CN" altLang="en-US"/>
+              <a:t>三种：</a:t>
+            </a:r>
+            <a:endParaRPr lang="zh-CN" altLang="en-US"/>
+          </a:p>
+          <a:p>
+            <a:r>
+              <a:rPr lang="en-US" altLang="zh-CN"/>
+              <a:t>1.</a:t>
+            </a:r>
+            <a:r>
+              <a:rPr lang="zh-CN" altLang="en-US"/>
+              <a:t>块类型，索引大块</a:t>
+            </a:r>
+            <a:r>
+              <a:rPr lang="zh-CN" altLang="en-US"/>
+              <a:t>内存；</a:t>
+            </a:r>
+            <a:endParaRPr lang="zh-CN" altLang="en-US"/>
+          </a:p>
+          <a:p>
+            <a:r>
+              <a:rPr lang="en-US" altLang="zh-CN"/>
+              <a:t>2.</a:t>
+            </a:r>
+            <a:r>
+              <a:rPr lang="zh-CN" altLang="en-US"/>
+              <a:t>页表类型，索引下一级</a:t>
+            </a:r>
+            <a:r>
+              <a:rPr lang="zh-CN" altLang="en-US"/>
+              <a:t>页表；</a:t>
+            </a:r>
+            <a:endParaRPr lang="zh-CN" altLang="en-US"/>
+          </a:p>
+          <a:p>
+            <a:r>
+              <a:rPr lang="en-US" altLang="zh-CN"/>
+              <a:t>3.</a:t>
+            </a:r>
+            <a:r>
+              <a:rPr lang="zh-CN" altLang="en-US"/>
+              <a:t>无效</a:t>
+            </a:r>
+            <a:r>
+              <a:rPr lang="zh-CN" altLang="en-US"/>
+              <a:t>类型</a:t>
+            </a:r>
+            <a:endParaRPr lang="zh-CN" altLang="en-US"/>
+          </a:p>
+          <a:p>
+            <a:endParaRPr lang="zh-CN" altLang="en-US"/>
+          </a:p>
+          <a:p>
+            <a:r>
+              <a:rPr lang="zh-CN" altLang="en-US"/>
+              <a:t>页表和块的属性可标记其索引的</a:t>
+            </a:r>
+            <a:r>
+              <a:rPr lang="zh-CN" altLang="en-US"/>
+              <a:t>内存</a:t>
+            </a:r>
+            <a:endParaRPr lang="zh-CN" altLang="en-US"/>
+          </a:p>
+          <a:p>
+            <a:r>
+              <a:rPr lang="zh-CN" altLang="en-US"/>
+              <a:t>的相关</a:t>
+            </a:r>
+            <a:r>
+              <a:rPr lang="zh-CN" altLang="en-US"/>
+              <a:t>属性</a:t>
             </a:r>
             <a:endParaRPr lang="zh-CN" altLang="en-US"/>
           </a:p>
@@ -5903,8 +6267,8 @@
         </p:blipFill>
         <p:spPr>
           <a:xfrm>
-            <a:off x="1879600" y="1797050"/>
-            <a:ext cx="5553075" cy="1567180"/>
+            <a:off x="4431665" y="1313815"/>
+            <a:ext cx="6421120" cy="1812290"/>
           </a:xfrm>
           <a:prstGeom prst="rect">
             <a:avLst/>
@@ -5927,51 +6291,14 @@
         </p:blipFill>
         <p:spPr>
           <a:xfrm>
-            <a:off x="2169795" y="3364230"/>
-            <a:ext cx="4972050" cy="3276600"/>
+            <a:off x="5007610" y="3126105"/>
+            <a:ext cx="5561330" cy="3665220"/>
           </a:xfrm>
           <a:prstGeom prst="rect">
             <a:avLst/>
           </a:prstGeom>
         </p:spPr>
       </p:pic>
-      <p:sp>
-        <p:nvSpPr>
-          <p:cNvPr id="8" name="文本框 7"/>
-          <p:cNvSpPr txBox="1"/>
-          <p:nvPr/>
-        </p:nvSpPr>
-        <p:spPr>
-          <a:xfrm>
-            <a:off x="9036050" y="2006600"/>
-            <a:ext cx="2012950" cy="368300"/>
-          </a:xfrm>
-          <a:prstGeom prst="rect">
-            <a:avLst/>
-          </a:prstGeom>
-          <a:noFill/>
-        </p:spPr>
-        <p:txBody>
-          <a:bodyPr wrap="square" rtlCol="0">
-            <a:spAutoFit/>
-          </a:bodyPr>
-          <a:p>
-            <a:r>
-              <a:rPr lang="zh-CN" altLang="en-US">
-                <a:solidFill>
-                  <a:srgbClr val="FF0000"/>
-                </a:solidFill>
-              </a:rPr>
-              <a:t>权限管理待补充</a:t>
-            </a:r>
-            <a:endParaRPr lang="zh-CN" altLang="en-US">
-              <a:solidFill>
-                <a:srgbClr val="FF0000"/>
-              </a:solidFill>
-            </a:endParaRPr>
-          </a:p>
-        </p:txBody>
-      </p:sp>
     </p:spTree>
     <p:custDataLst>
       <p:tags r:id="rId5"/>
@@ -6027,7 +6354,7 @@
           <a:p>
             <a:r>
               <a:rPr lang="en-US" altLang="zh-CN"/>
-              <a:t>Cache</a:t>
+              <a:t>MMU</a:t>
             </a:r>
             <a:endParaRPr lang="en-US" altLang="zh-CN"/>
           </a:p>
@@ -6060,7 +6387,7 @@
       </p:sp>
       <p:pic>
         <p:nvPicPr>
-          <p:cNvPr id="6" name="图片 5" descr="5-1-cache结构"/>
+          <p:cNvPr id="5" name="图片 4"/>
           <p:cNvPicPr>
             <a:picLocks noChangeAspect="1"/>
           </p:cNvPicPr>
@@ -6074,8 +6401,56 @@
         </p:blipFill>
         <p:spPr>
           <a:xfrm>
-            <a:off x="3244850" y="2108200"/>
-            <a:ext cx="5695950" cy="3710305"/>
+            <a:off x="1800225" y="1313815"/>
+            <a:ext cx="8058785" cy="2052320"/>
+          </a:xfrm>
+          <a:prstGeom prst="rect">
+            <a:avLst/>
+          </a:prstGeom>
+        </p:spPr>
+      </p:pic>
+      <p:pic>
+        <p:nvPicPr>
+          <p:cNvPr id="9" name="图片 8"/>
+          <p:cNvPicPr>
+            <a:picLocks noChangeAspect="1"/>
+          </p:cNvPicPr>
+          <p:nvPr/>
+        </p:nvPicPr>
+        <p:blipFill>
+          <a:blip r:embed="rId4"/>
+          <a:stretch>
+            <a:fillRect/>
+          </a:stretch>
+        </p:blipFill>
+        <p:spPr>
+          <a:xfrm>
+            <a:off x="679450" y="4173220"/>
+            <a:ext cx="5257800" cy="1533525"/>
+          </a:xfrm>
+          <a:prstGeom prst="rect">
+            <a:avLst/>
+          </a:prstGeom>
+        </p:spPr>
+      </p:pic>
+      <p:pic>
+        <p:nvPicPr>
+          <p:cNvPr id="10" name="图片 9"/>
+          <p:cNvPicPr>
+            <a:picLocks noChangeAspect="1"/>
+          </p:cNvPicPr>
+          <p:nvPr/>
+        </p:nvPicPr>
+        <p:blipFill>
+          <a:blip r:embed="rId5"/>
+          <a:stretch>
+            <a:fillRect/>
+          </a:stretch>
+        </p:blipFill>
+        <p:spPr>
+          <a:xfrm>
+            <a:off x="5986780" y="4249420"/>
+            <a:ext cx="6605905" cy="1800225"/>
           </a:xfrm>
           <a:prstGeom prst="rect">
             <a:avLst/>
@@ -6084,7 +6459,7 @@
       </p:pic>
     </p:spTree>
     <p:custDataLst>
-      <p:tags r:id="rId4"/>
+      <p:tags r:id="rId6"/>
     </p:custDataLst>
   </p:cSld>
   <p:clrMapOvr>
@@ -6491,7 +6866,7 @@
         <p:spPr>
           <a:xfrm>
             <a:off x="2167255" y="1490345"/>
-            <a:ext cx="7310755" cy="5010150"/>
+            <a:ext cx="7418705" cy="5084445"/>
           </a:xfrm>
           <a:prstGeom prst="rect">
             <a:avLst/>
@@ -6976,8 +7351,26 @@
           <a:p>
             <a:r>
               <a:rPr lang="zh-CN" altLang="en-US"/>
-              <a:t>单击输入您的封面副标题</a:t>
-            </a:r>
+              <a:t>缓存一致性关注同一个数据在多个高速缓存和内存中的一致性</a:t>
+            </a:r>
+            <a:r>
+              <a:rPr lang="zh-CN" altLang="en-US"/>
+              <a:t>问题；</a:t>
+            </a:r>
+            <a:endParaRPr lang="zh-CN" altLang="en-US"/>
+          </a:p>
+          <a:p>
+            <a:r>
+              <a:rPr lang="zh-CN" altLang="en-US"/>
+              <a:t>分类：多核间缓存一致性，系统间缓存</a:t>
+            </a:r>
+            <a:r>
+              <a:rPr lang="zh-CN" altLang="en-US"/>
+              <a:t>一致性</a:t>
+            </a:r>
+            <a:endParaRPr lang="zh-CN" altLang="en-US"/>
+          </a:p>
+          <a:p>
             <a:endParaRPr lang="zh-CN" altLang="en-US"/>
           </a:p>
         </p:txBody>
@@ -6998,7 +7391,7 @@
         </p:blipFill>
         <p:spPr>
           <a:xfrm>
-            <a:off x="3244850" y="2108200"/>
+            <a:off x="3381375" y="2960370"/>
             <a:ext cx="5695950" cy="3710305"/>
           </a:xfrm>
           <a:prstGeom prst="rect">
@@ -7119,6 +7512,13 @@
             <a:r>
               <a:rPr lang="en-US" altLang="zh-CN"/>
               <a:t>https://blog.csdn.net/shenwanjiang111/article/details/125987291</a:t>
+            </a:r>
+            <a:endParaRPr lang="en-US" altLang="zh-CN"/>
+          </a:p>
+          <a:p>
+            <a:r>
+              <a:rPr lang="en-US" altLang="zh-CN"/>
+              <a:t>https://blog.csdn.net/dai_xiangjun/article/details/120138732</a:t>
             </a:r>
             <a:endParaRPr lang="en-US" altLang="zh-CN"/>
           </a:p>
@@ -8583,7 +8983,7 @@
         <p:spPr>
           <a:xfrm>
             <a:off x="6732270" y="1965960"/>
-            <a:ext cx="4421505" cy="645160"/>
+            <a:ext cx="4421505" cy="2306955"/>
           </a:xfrm>
           <a:prstGeom prst="rect">
             <a:avLst/>
@@ -8607,13 +9007,112 @@
           </a:p>
           <a:p>
             <a:r>
+              <a:rPr lang="en-US" altLang="zh-CN">
+                <a:solidFill>
+                  <a:srgbClr val="FF0000"/>
+                </a:solidFill>
+              </a:rPr>
+              <a:t>1.</a:t>
+            </a:r>
+            <a:r>
               <a:rPr lang="zh-CN" altLang="en-US">
                 <a:solidFill>
                   <a:srgbClr val="FF0000"/>
                 </a:solidFill>
               </a:rPr>
-              <a:t>待补充</a:t>
-            </a:r>
+              <a:t>参数寄存器，传递函数参数或</a:t>
+            </a:r>
+            <a:r>
+              <a:rPr lang="zh-CN" altLang="en-US">
+                <a:solidFill>
+                  <a:srgbClr val="FF0000"/>
+                </a:solidFill>
+              </a:rPr>
+              <a:t>返回值；</a:t>
+            </a:r>
+            <a:endParaRPr lang="zh-CN" altLang="en-US">
+              <a:solidFill>
+                <a:srgbClr val="FF0000"/>
+              </a:solidFill>
+            </a:endParaRPr>
+          </a:p>
+          <a:p>
+            <a:endParaRPr lang="zh-CN" altLang="en-US">
+              <a:solidFill>
+                <a:srgbClr val="FF0000"/>
+              </a:solidFill>
+            </a:endParaRPr>
+          </a:p>
+          <a:p>
+            <a:r>
+              <a:rPr lang="en-US" altLang="zh-CN">
+                <a:solidFill>
+                  <a:srgbClr val="FF0000"/>
+                </a:solidFill>
+              </a:rPr>
+              <a:t>2.</a:t>
+            </a:r>
+            <a:r>
+              <a:rPr lang="zh-CN" altLang="en-US">
+                <a:solidFill>
+                  <a:srgbClr val="FF0000"/>
+                </a:solidFill>
+              </a:rPr>
+              <a:t>函数调用时临时</a:t>
+            </a:r>
+            <a:r>
+              <a:rPr lang="zh-CN" altLang="en-US">
+                <a:solidFill>
+                  <a:srgbClr val="FF0000"/>
+                </a:solidFill>
+              </a:rPr>
+              <a:t>使用；</a:t>
+            </a:r>
+            <a:endParaRPr lang="zh-CN" altLang="en-US">
+              <a:solidFill>
+                <a:srgbClr val="FF0000"/>
+              </a:solidFill>
+            </a:endParaRPr>
+          </a:p>
+          <a:p>
+            <a:endParaRPr lang="zh-CN" altLang="en-US">
+              <a:solidFill>
+                <a:srgbClr val="FF0000"/>
+              </a:solidFill>
+            </a:endParaRPr>
+          </a:p>
+          <a:p>
+            <a:r>
+              <a:rPr lang="en-US" altLang="zh-CN">
+                <a:solidFill>
+                  <a:srgbClr val="FF0000"/>
+                </a:solidFill>
+              </a:rPr>
+              <a:t>3.</a:t>
+            </a:r>
+            <a:r>
+              <a:rPr lang="zh-CN" altLang="en-US">
+                <a:solidFill>
+                  <a:srgbClr val="FF0000"/>
+                </a:solidFill>
+              </a:rPr>
+              <a:t>特殊用途寄存器，函数调用返回保存、栈帧地址保存</a:t>
+            </a:r>
+            <a:r>
+              <a:rPr lang="zh-CN" altLang="en-US">
+                <a:solidFill>
+                  <a:srgbClr val="FF0000"/>
+                </a:solidFill>
+              </a:rPr>
+              <a:t>等</a:t>
+            </a:r>
+            <a:endParaRPr lang="zh-CN" altLang="en-US">
+              <a:solidFill>
+                <a:srgbClr val="FF0000"/>
+              </a:solidFill>
+            </a:endParaRPr>
+          </a:p>
+          <a:p>
             <a:endParaRPr lang="zh-CN" altLang="en-US">
               <a:solidFill>
                 <a:srgbClr val="FF0000"/>
@@ -8720,8 +9219,8 @@
         </p:blipFill>
         <p:spPr>
           <a:xfrm>
-            <a:off x="1724660" y="2263775"/>
-            <a:ext cx="7154545" cy="3697605"/>
+            <a:off x="1247775" y="1834515"/>
+            <a:ext cx="8949055" cy="4625340"/>
           </a:xfrm>
           <a:prstGeom prst="rect">
             <a:avLst/>
